--- a/presentations/networks_ssces_jan2020.pptx
+++ b/presentations/networks_ssces_jan2020.pptx
@@ -5,11 +5,12 @@
     <p:sldMasterId id="2147483648" r:id="rId1"/>
   </p:sldMasterIdLst>
   <p:sldIdLst>
-    <p:sldId id="260" r:id="rId2"/>
-    <p:sldId id="256" r:id="rId3"/>
-    <p:sldId id="257" r:id="rId4"/>
-    <p:sldId id="258" r:id="rId5"/>
-    <p:sldId id="259" r:id="rId6"/>
+    <p:sldId id="261" r:id="rId2"/>
+    <p:sldId id="260" r:id="rId3"/>
+    <p:sldId id="256" r:id="rId4"/>
+    <p:sldId id="257" r:id="rId5"/>
+    <p:sldId id="258" r:id="rId6"/>
+    <p:sldId id="259" r:id="rId7"/>
   </p:sldIdLst>
   <p:sldSz cx="12192000" cy="6858000"/>
   <p:notesSz cx="6858000" cy="9144000"/>
@@ -3343,344 +3344,229 @@
       </p:grpSpPr>
       <p:sp>
         <p:nvSpPr>
-          <p:cNvPr id="3" name="TextBox 2">
-            <a:extLst>
-              <a:ext uri="{FF2B5EF4-FFF2-40B4-BE49-F238E27FC236}">
-                <a16:creationId xmlns:a16="http://schemas.microsoft.com/office/drawing/2014/main" id="{25DA753C-94D1-8A46-8DE3-348C1C6D4B59}"/>
-              </a:ext>
-            </a:extLst>
-          </p:cNvPr>
-          <p:cNvSpPr txBox="1"/>
-          <p:nvPr/>
-        </p:nvSpPr>
-        <p:spPr>
-          <a:xfrm>
-            <a:off x="129993" y="1334112"/>
-            <a:ext cx="3235822" cy="1200329"/>
-          </a:xfrm>
-          <a:prstGeom prst="rect">
-            <a:avLst/>
-          </a:prstGeom>
-          <a:noFill/>
-        </p:spPr>
-        <p:txBody>
-          <a:bodyPr wrap="none" rtlCol="0">
-            <a:spAutoFit/>
+          <p:cNvPr id="2" name="Title 1">
+            <a:extLst>
+              <a:ext uri="{FF2B5EF4-FFF2-40B4-BE49-F238E27FC236}">
+                <a16:creationId xmlns:a16="http://schemas.microsoft.com/office/drawing/2014/main" id="{2ED2274C-94EE-9041-B21A-AA41390BCAC7}"/>
+              </a:ext>
+            </a:extLst>
+          </p:cNvPr>
+          <p:cNvSpPr>
+            <a:spLocks noGrp="1"/>
+          </p:cNvSpPr>
+          <p:nvPr>
+            <p:ph type="title"/>
+          </p:nvPr>
+        </p:nvSpPr>
+        <p:spPr/>
+        <p:txBody>
+          <a:bodyPr/>
+          <a:lstStyle/>
+          <a:p>
+            <a:r>
+              <a:rPr lang="en-US" dirty="0"/>
+              <a:t>Outline</a:t>
+            </a:r>
+          </a:p>
+        </p:txBody>
+      </p:sp>
+      <p:sp>
+        <p:nvSpPr>
+          <p:cNvPr id="3" name="Content Placeholder 2">
+            <a:extLst>
+              <a:ext uri="{FF2B5EF4-FFF2-40B4-BE49-F238E27FC236}">
+                <a16:creationId xmlns:a16="http://schemas.microsoft.com/office/drawing/2014/main" id="{7E42B606-5AD1-2242-9F47-391B237E6193}"/>
+              </a:ext>
+            </a:extLst>
+          </p:cNvPr>
+          <p:cNvSpPr>
+            <a:spLocks noGrp="1"/>
+          </p:cNvSpPr>
+          <p:nvPr>
+            <p:ph idx="1"/>
+          </p:nvPr>
+        </p:nvSpPr>
+        <p:spPr/>
+        <p:txBody>
+          <a:bodyPr>
+            <a:normAutofit fontScale="85000" lnSpcReduction="20000"/>
           </a:bodyPr>
           <a:lstStyle/>
           <a:p>
-            <a:r>
-              <a:rPr lang="en-US" sz="2400" dirty="0"/>
-              <a:t>North Washington Coast</a:t>
-            </a:r>
-          </a:p>
-          <a:p>
-            <a:endParaRPr lang="en-US" sz="2400" dirty="0"/>
-          </a:p>
-          <a:p>
-            <a:r>
-              <a:rPr lang="en-US" sz="2400" dirty="0"/>
-              <a:t>Nodes: 6</a:t>
-            </a:r>
-          </a:p>
-        </p:txBody>
-      </p:sp>
-      <p:sp>
-        <p:nvSpPr>
-          <p:cNvPr id="4" name="TextBox 3">
-            <a:extLst>
-              <a:ext uri="{FF2B5EF4-FFF2-40B4-BE49-F238E27FC236}">
-                <a16:creationId xmlns:a16="http://schemas.microsoft.com/office/drawing/2014/main" id="{AC5BADAA-599C-E94E-B614-FE3800861C08}"/>
-              </a:ext>
-            </a:extLst>
-          </p:cNvPr>
-          <p:cNvSpPr txBox="1"/>
-          <p:nvPr/>
-        </p:nvSpPr>
-        <p:spPr>
-          <a:xfrm>
-            <a:off x="129993" y="4192990"/>
-            <a:ext cx="1416413" cy="1200329"/>
-          </a:xfrm>
-          <a:prstGeom prst="rect">
-            <a:avLst/>
-          </a:prstGeom>
-          <a:noFill/>
-        </p:spPr>
-        <p:txBody>
-          <a:bodyPr wrap="none" rtlCol="0">
-            <a:spAutoFit/>
-          </a:bodyPr>
-          <a:lstStyle/>
-          <a:p>
-            <a:r>
-              <a:rPr lang="en-US" sz="2400" dirty="0"/>
-              <a:t>Monterey</a:t>
-            </a:r>
-          </a:p>
-          <a:p>
-            <a:endParaRPr lang="en-US" sz="2400" dirty="0"/>
-          </a:p>
-          <a:p>
-            <a:r>
-              <a:rPr lang="en-US" sz="2400" dirty="0"/>
-              <a:t>Nodes: 5</a:t>
-            </a:r>
-          </a:p>
-        </p:txBody>
-      </p:sp>
-      <p:sp>
-        <p:nvSpPr>
-          <p:cNvPr id="5" name="TextBox 4">
-            <a:extLst>
-              <a:ext uri="{FF2B5EF4-FFF2-40B4-BE49-F238E27FC236}">
-                <a16:creationId xmlns:a16="http://schemas.microsoft.com/office/drawing/2014/main" id="{2141F702-92F0-E54E-A70E-8C821FB7DBA5}"/>
-              </a:ext>
-            </a:extLst>
-          </p:cNvPr>
-          <p:cNvSpPr txBox="1"/>
-          <p:nvPr/>
-        </p:nvSpPr>
-        <p:spPr>
-          <a:xfrm>
-            <a:off x="6824200" y="1337275"/>
-            <a:ext cx="1289264" cy="1200329"/>
-          </a:xfrm>
-          <a:prstGeom prst="rect">
-            <a:avLst/>
-          </a:prstGeom>
-          <a:noFill/>
-        </p:spPr>
-        <p:txBody>
-          <a:bodyPr wrap="none" rtlCol="0">
-            <a:spAutoFit/>
-          </a:bodyPr>
-          <a:lstStyle/>
-          <a:p>
-            <a:r>
-              <a:rPr lang="en-US" sz="2400" dirty="0"/>
-              <a:t>Newport</a:t>
-            </a:r>
-          </a:p>
-          <a:p>
-            <a:endParaRPr lang="en-US" sz="2400" dirty="0"/>
-          </a:p>
-          <a:p>
-            <a:r>
-              <a:rPr lang="en-US" sz="2400" dirty="0"/>
-              <a:t>Nodes: 6</a:t>
-            </a:r>
-          </a:p>
-        </p:txBody>
-      </p:sp>
-      <p:sp>
-        <p:nvSpPr>
-          <p:cNvPr id="6" name="TextBox 5">
-            <a:extLst>
-              <a:ext uri="{FF2B5EF4-FFF2-40B4-BE49-F238E27FC236}">
-                <a16:creationId xmlns:a16="http://schemas.microsoft.com/office/drawing/2014/main" id="{0B2D7562-CDF5-F24D-B77E-3CD55A96F66D}"/>
-              </a:ext>
-            </a:extLst>
-          </p:cNvPr>
-          <p:cNvSpPr txBox="1"/>
-          <p:nvPr/>
-        </p:nvSpPr>
-        <p:spPr>
-          <a:xfrm>
-            <a:off x="6824200" y="4172326"/>
-            <a:ext cx="1421671" cy="1200329"/>
-          </a:xfrm>
-          <a:prstGeom prst="rect">
-            <a:avLst/>
-          </a:prstGeom>
-          <a:noFill/>
-        </p:spPr>
-        <p:txBody>
-          <a:bodyPr wrap="none" rtlCol="0">
-            <a:spAutoFit/>
-          </a:bodyPr>
-          <a:lstStyle/>
-          <a:p>
-            <a:r>
-              <a:rPr lang="en-US" sz="2400" dirty="0"/>
-              <a:t>San Diego</a:t>
-            </a:r>
-          </a:p>
-          <a:p>
-            <a:endParaRPr lang="en-US" sz="2400" dirty="0"/>
-          </a:p>
-          <a:p>
-            <a:r>
-              <a:rPr lang="en-US" sz="2400" dirty="0"/>
-              <a:t>Nodes: 5</a:t>
-            </a:r>
-          </a:p>
-        </p:txBody>
-      </p:sp>
-      <p:sp>
-        <p:nvSpPr>
-          <p:cNvPr id="7" name="Title 6">
-            <a:extLst>
-              <a:ext uri="{FF2B5EF4-FFF2-40B4-BE49-F238E27FC236}">
-                <a16:creationId xmlns:a16="http://schemas.microsoft.com/office/drawing/2014/main" id="{E2264B8B-C218-144F-B348-17F6A2A2DF31}"/>
-              </a:ext>
-            </a:extLst>
-          </p:cNvPr>
-          <p:cNvSpPr>
-            <a:spLocks noGrp="1"/>
-          </p:cNvSpPr>
-          <p:nvPr>
-            <p:ph type="title"/>
-          </p:nvPr>
-        </p:nvSpPr>
-        <p:spPr>
-          <a:xfrm>
-            <a:off x="211300" y="263560"/>
-            <a:ext cx="11769400" cy="1325563"/>
-          </a:xfrm>
-        </p:spPr>
-        <p:txBody>
-          <a:bodyPr>
-            <a:normAutofit/>
-          </a:bodyPr>
-          <a:lstStyle/>
-          <a:p>
-            <a:pPr algn="ctr"/>
-            <a:r>
-              <a:rPr lang="en-US" sz="4000" dirty="0"/>
-              <a:t>2019-2020 fisheries participation networks </a:t>
-            </a:r>
-            <a:r>
-              <a:rPr lang="en-US" sz="2400" dirty="0"/>
-              <a:t>(by IOPAC port group)</a:t>
-            </a:r>
-          </a:p>
-        </p:txBody>
-      </p:sp>
-      <p:pic>
-        <p:nvPicPr>
-          <p:cNvPr id="9" name="Picture 8">
-            <a:extLst>
-              <a:ext uri="{FF2B5EF4-FFF2-40B4-BE49-F238E27FC236}">
-                <a16:creationId xmlns:a16="http://schemas.microsoft.com/office/drawing/2014/main" id="{EE3B4399-3BFD-8B44-B14A-FE6CC378ACA0}"/>
-              </a:ext>
-            </a:extLst>
-          </p:cNvPr>
-          <p:cNvPicPr>
-            <a:picLocks noChangeAspect="1"/>
-          </p:cNvPicPr>
-          <p:nvPr/>
-        </p:nvPicPr>
-        <p:blipFill>
-          <a:blip r:embed="rId2"/>
-          <a:stretch>
-            <a:fillRect/>
-          </a:stretch>
-        </p:blipFill>
-        <p:spPr>
-          <a:xfrm>
-            <a:off x="2341263" y="878634"/>
-            <a:ext cx="3688080" cy="3688080"/>
-          </a:xfrm>
-          <a:prstGeom prst="rect">
-            <a:avLst/>
-          </a:prstGeom>
-        </p:spPr>
-      </p:pic>
-      <p:pic>
-        <p:nvPicPr>
-          <p:cNvPr id="11" name="Picture 10">
-            <a:extLst>
-              <a:ext uri="{FF2B5EF4-FFF2-40B4-BE49-F238E27FC236}">
-                <a16:creationId xmlns:a16="http://schemas.microsoft.com/office/drawing/2014/main" id="{A0916652-5F31-7B47-A41A-D545753786D6}"/>
-              </a:ext>
-            </a:extLst>
-          </p:cNvPr>
-          <p:cNvPicPr>
-            <a:picLocks noChangeAspect="1"/>
-          </p:cNvPicPr>
-          <p:nvPr/>
-        </p:nvPicPr>
-        <p:blipFill>
-          <a:blip r:embed="rId3"/>
-          <a:stretch>
-            <a:fillRect/>
-          </a:stretch>
-        </p:blipFill>
-        <p:spPr>
-          <a:xfrm>
-            <a:off x="8292620" y="878840"/>
-            <a:ext cx="3688080" cy="3688080"/>
-          </a:xfrm>
-          <a:prstGeom prst="rect">
-            <a:avLst/>
-          </a:prstGeom>
-        </p:spPr>
-      </p:pic>
-      <p:pic>
-        <p:nvPicPr>
-          <p:cNvPr id="13" name="Picture 12">
-            <a:extLst>
-              <a:ext uri="{FF2B5EF4-FFF2-40B4-BE49-F238E27FC236}">
-                <a16:creationId xmlns:a16="http://schemas.microsoft.com/office/drawing/2014/main" id="{ABC60DB9-4770-0946-8F9D-2D4C417A943A}"/>
-              </a:ext>
-            </a:extLst>
-          </p:cNvPr>
-          <p:cNvPicPr>
-            <a:picLocks noChangeAspect="1"/>
-          </p:cNvPicPr>
-          <p:nvPr/>
-        </p:nvPicPr>
-        <p:blipFill>
-          <a:blip r:embed="rId4"/>
-          <a:stretch>
-            <a:fillRect/>
-          </a:stretch>
-        </p:blipFill>
-        <p:spPr>
-          <a:xfrm>
-            <a:off x="2294514" y="3429000"/>
-            <a:ext cx="3688080" cy="3688080"/>
-          </a:xfrm>
-          <a:prstGeom prst="rect">
-            <a:avLst/>
-          </a:prstGeom>
-        </p:spPr>
-      </p:pic>
-      <p:pic>
-        <p:nvPicPr>
-          <p:cNvPr id="15" name="Picture 14">
-            <a:extLst>
-              <a:ext uri="{FF2B5EF4-FFF2-40B4-BE49-F238E27FC236}">
-                <a16:creationId xmlns:a16="http://schemas.microsoft.com/office/drawing/2014/main" id="{96553327-65EA-7749-ACF5-18A137134AFD}"/>
-              </a:ext>
-            </a:extLst>
-          </p:cNvPr>
-          <p:cNvPicPr>
-            <a:picLocks noChangeAspect="1"/>
-          </p:cNvPicPr>
-          <p:nvPr/>
-        </p:nvPicPr>
-        <p:blipFill>
-          <a:blip r:embed="rId5"/>
-          <a:stretch>
-            <a:fillRect/>
-          </a:stretch>
-        </p:blipFill>
-        <p:spPr>
-          <a:xfrm>
-            <a:off x="8503920" y="3675310"/>
-            <a:ext cx="3688080" cy="3688080"/>
-          </a:xfrm>
-          <a:prstGeom prst="rect">
-            <a:avLst/>
-          </a:prstGeom>
-        </p:spPr>
-      </p:pic>
+            <a:pPr marL="514350" indent="-514350">
+              <a:buFont typeface="+mj-lt"/>
+              <a:buAutoNum type="arabicPeriod"/>
+            </a:pPr>
+            <a:r>
+              <a:rPr lang="en-US" dirty="0"/>
+              <a:t>Overview of existing literature</a:t>
+            </a:r>
+          </a:p>
+          <a:p>
+            <a:pPr marL="971550" lvl="1" indent="-514350">
+              <a:buFont typeface="+mj-lt"/>
+              <a:buAutoNum type="alphaLcParenR"/>
+            </a:pPr>
+            <a:r>
+              <a:rPr lang="en-US" dirty="0"/>
+              <a:t>Fuller et al</a:t>
+            </a:r>
+          </a:p>
+          <a:p>
+            <a:pPr marL="971550" lvl="1" indent="-514350">
+              <a:buFont typeface="+mj-lt"/>
+              <a:buAutoNum type="alphaLcParenR"/>
+            </a:pPr>
+            <a:r>
+              <a:rPr lang="en-US" dirty="0"/>
+              <a:t>Sept 2016 review</a:t>
+            </a:r>
+          </a:p>
+          <a:p>
+            <a:pPr marL="514350" indent="-514350">
+              <a:buFont typeface="+mj-lt"/>
+              <a:buAutoNum type="arabicPeriod"/>
+            </a:pPr>
+            <a:r>
+              <a:rPr lang="en-US" dirty="0"/>
+              <a:t>Methods overview</a:t>
+            </a:r>
+          </a:p>
+          <a:p>
+            <a:pPr marL="971550" lvl="1" indent="-514350">
+              <a:buFont typeface="+mj-lt"/>
+              <a:buAutoNum type="alphaLcParenR"/>
+            </a:pPr>
+            <a:r>
+              <a:rPr lang="en-US" dirty="0"/>
+              <a:t>Emphasize distinctions form what they’ve seen</a:t>
+            </a:r>
+          </a:p>
+          <a:p>
+            <a:pPr marL="971550" lvl="1" indent="-514350">
+              <a:buFont typeface="+mj-lt"/>
+              <a:buAutoNum type="alphaLcParenR"/>
+            </a:pPr>
+            <a:r>
+              <a:rPr lang="en-US" dirty="0"/>
+              <a:t>Meld review of what’s in the paper and what they have seen with how we responded to their recommendations</a:t>
+            </a:r>
+          </a:p>
+          <a:p>
+            <a:pPr marL="514350" indent="-514350">
+              <a:buFont typeface="+mj-lt"/>
+              <a:buAutoNum type="arabicPeriod"/>
+            </a:pPr>
+            <a:r>
+              <a:rPr lang="en-US" dirty="0"/>
+              <a:t>Initial high level results, </a:t>
+            </a:r>
+            <a:r>
+              <a:rPr lang="en-US" dirty="0" err="1"/>
+              <a:t>eg</a:t>
+            </a:r>
+            <a:r>
+              <a:rPr lang="en-US" dirty="0"/>
+              <a:t> several example communities 2020 only</a:t>
+            </a:r>
+          </a:p>
+          <a:p>
+            <a:pPr marL="971550" lvl="1" indent="-514350">
+              <a:buFont typeface="+mj-lt"/>
+              <a:buAutoNum type="alphaLcParenR"/>
+            </a:pPr>
+            <a:r>
+              <a:rPr lang="en-US" dirty="0"/>
+              <a:t>Flagging how these fill gaps in ESR</a:t>
+            </a:r>
+          </a:p>
+          <a:p>
+            <a:pPr marL="514350" indent="-514350">
+              <a:buFont typeface="+mj-lt"/>
+              <a:buAutoNum type="arabicPeriod"/>
+            </a:pPr>
+            <a:r>
+              <a:rPr lang="en-US" dirty="0"/>
+              <a:t>Next deeper results, </a:t>
+            </a:r>
+            <a:r>
+              <a:rPr lang="en-US" dirty="0" err="1"/>
+              <a:t>eg</a:t>
+            </a:r>
+            <a:r>
+              <a:rPr lang="en-US" dirty="0"/>
+              <a:t> 2020 vs 2016-19 for a few important communities</a:t>
+            </a:r>
+          </a:p>
+          <a:p>
+            <a:pPr marL="514350" indent="-514350">
+              <a:buFont typeface="+mj-lt"/>
+              <a:buAutoNum type="arabicPeriod"/>
+            </a:pPr>
+            <a:r>
+              <a:rPr lang="en-US" dirty="0"/>
+              <a:t>Horizon pointing</a:t>
+            </a:r>
+          </a:p>
+          <a:p>
+            <a:pPr marL="971550" lvl="1" indent="-514350">
+              <a:buFont typeface="+mj-lt"/>
+              <a:buAutoNum type="alphaLcParenR"/>
+            </a:pPr>
+            <a:r>
+              <a:rPr lang="en-US" dirty="0"/>
+              <a:t>MDS</a:t>
+            </a:r>
+          </a:p>
+          <a:p>
+            <a:pPr marL="971550" lvl="1" indent="-514350">
+              <a:buFont typeface="+mj-lt"/>
+              <a:buAutoNum type="alphaLcParenR"/>
+            </a:pPr>
+            <a:r>
+              <a:rPr lang="en-US" dirty="0"/>
+              <a:t>Diff </a:t>
+            </a:r>
+            <a:r>
+              <a:rPr lang="en-US" dirty="0" err="1"/>
+              <a:t>sp</a:t>
+            </a:r>
+            <a:r>
+              <a:rPr lang="en-US" dirty="0"/>
+              <a:t> groupings, </a:t>
+            </a:r>
+            <a:r>
+              <a:rPr lang="en-US" dirty="0" err="1"/>
+              <a:t>eg</a:t>
+            </a:r>
+            <a:r>
+              <a:rPr lang="en-US" dirty="0"/>
+              <a:t> CVA high vs low ranks</a:t>
+            </a:r>
+          </a:p>
+          <a:p>
+            <a:pPr marL="971550" lvl="1" indent="-514350">
+              <a:buFont typeface="+mj-lt"/>
+              <a:buAutoNum type="alphaLcParenR"/>
+            </a:pPr>
+            <a:r>
+              <a:rPr lang="en-US" dirty="0"/>
+              <a:t>Pre post catch shares</a:t>
+            </a:r>
+          </a:p>
+          <a:p>
+            <a:pPr marL="514350" indent="-514350">
+              <a:buFont typeface="+mj-lt"/>
+              <a:buAutoNum type="arabicPeriod"/>
+            </a:pPr>
+            <a:endParaRPr lang="en-US" dirty="0"/>
+          </a:p>
+        </p:txBody>
+      </p:sp>
     </p:spTree>
     <p:extLst>
       <p:ext uri="{BB962C8B-B14F-4D97-AF65-F5344CB8AC3E}">
-        <p14:creationId xmlns:p14="http://schemas.microsoft.com/office/powerpoint/2010/main" val="3427730486"/>
+        <p14:creationId xmlns:p14="http://schemas.microsoft.com/office/powerpoint/2010/main" val="3785557790"/>
       </p:ext>
     </p:extLst>
   </p:cSld>
@@ -3709,38 +3595,10 @@
       </p:grpSpPr>
       <p:sp>
         <p:nvSpPr>
-          <p:cNvPr id="6" name="Title 5">
-            <a:extLst>
-              <a:ext uri="{FF2B5EF4-FFF2-40B4-BE49-F238E27FC236}">
-                <a16:creationId xmlns:a16="http://schemas.microsoft.com/office/drawing/2014/main" id="{6BC5A32E-E215-1B49-94DA-2636C7CF7951}"/>
-              </a:ext>
-            </a:extLst>
-          </p:cNvPr>
-          <p:cNvSpPr>
-            <a:spLocks noGrp="1"/>
-          </p:cNvSpPr>
-          <p:nvPr>
-            <p:ph type="title"/>
-          </p:nvPr>
-        </p:nvSpPr>
-        <p:spPr/>
-        <p:txBody>
-          <a:bodyPr/>
-          <a:lstStyle/>
-          <a:p>
-            <a:r>
-              <a:rPr lang="en-US" dirty="0"/>
-              <a:t>North WA Coast over time: simplifying?</a:t>
-            </a:r>
-          </a:p>
-        </p:txBody>
-      </p:sp>
-      <p:sp>
-        <p:nvSpPr>
-          <p:cNvPr id="16" name="TextBox 15">
-            <a:extLst>
-              <a:ext uri="{FF2B5EF4-FFF2-40B4-BE49-F238E27FC236}">
-                <a16:creationId xmlns:a16="http://schemas.microsoft.com/office/drawing/2014/main" id="{C390C87E-9A77-7845-9D7F-311A07B7CE1F}"/>
+          <p:cNvPr id="3" name="TextBox 2">
+            <a:extLst>
+              <a:ext uri="{FF2B5EF4-FFF2-40B4-BE49-F238E27FC236}">
+                <a16:creationId xmlns:a16="http://schemas.microsoft.com/office/drawing/2014/main" id="{25DA753C-94D1-8A46-8DE3-348C1C6D4B59}"/>
               </a:ext>
             </a:extLst>
           </p:cNvPr>
@@ -3749,8 +3607,8 @@
         </p:nvSpPr>
         <p:spPr>
           <a:xfrm>
-            <a:off x="977227" y="2203552"/>
-            <a:ext cx="1212191" cy="461665"/>
+            <a:off x="129993" y="1334112"/>
+            <a:ext cx="3235822" cy="1200329"/>
           </a:xfrm>
           <a:prstGeom prst="rect">
             <a:avLst/>
@@ -3765,17 +3623,26 @@
           <a:p>
             <a:r>
               <a:rPr lang="en-US" sz="2400" dirty="0"/>
-              <a:t>2016-17</a:t>
-            </a:r>
-          </a:p>
-        </p:txBody>
-      </p:sp>
-      <p:sp>
-        <p:nvSpPr>
-          <p:cNvPr id="17" name="TextBox 16">
-            <a:extLst>
-              <a:ext uri="{FF2B5EF4-FFF2-40B4-BE49-F238E27FC236}">
-                <a16:creationId xmlns:a16="http://schemas.microsoft.com/office/drawing/2014/main" id="{E9E8D1F5-C9B1-5D45-AFEC-2963949A669A}"/>
+              <a:t>North Washington Coast</a:t>
+            </a:r>
+          </a:p>
+          <a:p>
+            <a:endParaRPr lang="en-US" sz="2400" dirty="0"/>
+          </a:p>
+          <a:p>
+            <a:r>
+              <a:rPr lang="en-US" sz="2400" dirty="0"/>
+              <a:t>Nodes: 6</a:t>
+            </a:r>
+          </a:p>
+        </p:txBody>
+      </p:sp>
+      <p:sp>
+        <p:nvSpPr>
+          <p:cNvPr id="4" name="TextBox 3">
+            <a:extLst>
+              <a:ext uri="{FF2B5EF4-FFF2-40B4-BE49-F238E27FC236}">
+                <a16:creationId xmlns:a16="http://schemas.microsoft.com/office/drawing/2014/main" id="{AC5BADAA-599C-E94E-B614-FE3800861C08}"/>
               </a:ext>
             </a:extLst>
           </p:cNvPr>
@@ -3784,8 +3651,8 @@
         </p:nvSpPr>
         <p:spPr>
           <a:xfrm>
-            <a:off x="3857465" y="2203552"/>
-            <a:ext cx="1212191" cy="461665"/>
+            <a:off x="129993" y="4192990"/>
+            <a:ext cx="1416413" cy="1200329"/>
           </a:xfrm>
           <a:prstGeom prst="rect">
             <a:avLst/>
@@ -3800,17 +3667,26 @@
           <a:p>
             <a:r>
               <a:rPr lang="en-US" sz="2400" dirty="0"/>
-              <a:t>2017-18</a:t>
-            </a:r>
-          </a:p>
-        </p:txBody>
-      </p:sp>
-      <p:sp>
-        <p:nvSpPr>
-          <p:cNvPr id="18" name="TextBox 17">
-            <a:extLst>
-              <a:ext uri="{FF2B5EF4-FFF2-40B4-BE49-F238E27FC236}">
-                <a16:creationId xmlns:a16="http://schemas.microsoft.com/office/drawing/2014/main" id="{2C7F05EA-2635-6342-ACB2-39A21F80B59E}"/>
+              <a:t>Monterey</a:t>
+            </a:r>
+          </a:p>
+          <a:p>
+            <a:endParaRPr lang="en-US" sz="2400" dirty="0"/>
+          </a:p>
+          <a:p>
+            <a:r>
+              <a:rPr lang="en-US" sz="2400" dirty="0"/>
+              <a:t>Nodes: 5</a:t>
+            </a:r>
+          </a:p>
+        </p:txBody>
+      </p:sp>
+      <p:sp>
+        <p:nvSpPr>
+          <p:cNvPr id="5" name="TextBox 4">
+            <a:extLst>
+              <a:ext uri="{FF2B5EF4-FFF2-40B4-BE49-F238E27FC236}">
+                <a16:creationId xmlns:a16="http://schemas.microsoft.com/office/drawing/2014/main" id="{2141F702-92F0-E54E-A70E-8C821FB7DBA5}"/>
               </a:ext>
             </a:extLst>
           </p:cNvPr>
@@ -3819,8 +3695,8 @@
         </p:nvSpPr>
         <p:spPr>
           <a:xfrm>
-            <a:off x="6737703" y="2203552"/>
-            <a:ext cx="1212191" cy="461665"/>
+            <a:off x="6824200" y="1337275"/>
+            <a:ext cx="1289264" cy="1200329"/>
           </a:xfrm>
           <a:prstGeom prst="rect">
             <a:avLst/>
@@ -3835,17 +3711,26 @@
           <a:p>
             <a:r>
               <a:rPr lang="en-US" sz="2400" dirty="0"/>
-              <a:t>2018-19</a:t>
-            </a:r>
-          </a:p>
-        </p:txBody>
-      </p:sp>
-      <p:sp>
-        <p:nvSpPr>
-          <p:cNvPr id="19" name="TextBox 18">
-            <a:extLst>
-              <a:ext uri="{FF2B5EF4-FFF2-40B4-BE49-F238E27FC236}">
-                <a16:creationId xmlns:a16="http://schemas.microsoft.com/office/drawing/2014/main" id="{AC30D932-19A6-6643-9E9D-12643DB31EA8}"/>
+              <a:t>Newport</a:t>
+            </a:r>
+          </a:p>
+          <a:p>
+            <a:endParaRPr lang="en-US" sz="2400" dirty="0"/>
+          </a:p>
+          <a:p>
+            <a:r>
+              <a:rPr lang="en-US" sz="2400" dirty="0"/>
+              <a:t>Nodes: 6</a:t>
+            </a:r>
+          </a:p>
+        </p:txBody>
+      </p:sp>
+      <p:sp>
+        <p:nvSpPr>
+          <p:cNvPr id="6" name="TextBox 5">
+            <a:extLst>
+              <a:ext uri="{FF2B5EF4-FFF2-40B4-BE49-F238E27FC236}">
+                <a16:creationId xmlns:a16="http://schemas.microsoft.com/office/drawing/2014/main" id="{0B2D7562-CDF5-F24D-B77E-3CD55A96F66D}"/>
               </a:ext>
             </a:extLst>
           </p:cNvPr>
@@ -3854,8 +3739,8 @@
         </p:nvSpPr>
         <p:spPr>
           <a:xfrm>
-            <a:off x="9617942" y="2203552"/>
-            <a:ext cx="1523174" cy="461665"/>
+            <a:off x="6824200" y="4172326"/>
+            <a:ext cx="1421671" cy="1200329"/>
           </a:xfrm>
           <a:prstGeom prst="rect">
             <a:avLst/>
@@ -3870,17 +3755,66 @@
           <a:p>
             <a:r>
               <a:rPr lang="en-US" sz="2400" dirty="0"/>
-              <a:t>2019-2020</a:t>
+              <a:t>San Diego</a:t>
+            </a:r>
+          </a:p>
+          <a:p>
+            <a:endParaRPr lang="en-US" sz="2400" dirty="0"/>
+          </a:p>
+          <a:p>
+            <a:r>
+              <a:rPr lang="en-US" sz="2400" dirty="0"/>
+              <a:t>Nodes: 5</a:t>
+            </a:r>
+          </a:p>
+        </p:txBody>
+      </p:sp>
+      <p:sp>
+        <p:nvSpPr>
+          <p:cNvPr id="7" name="Title 6">
+            <a:extLst>
+              <a:ext uri="{FF2B5EF4-FFF2-40B4-BE49-F238E27FC236}">
+                <a16:creationId xmlns:a16="http://schemas.microsoft.com/office/drawing/2014/main" id="{E2264B8B-C218-144F-B348-17F6A2A2DF31}"/>
+              </a:ext>
+            </a:extLst>
+          </p:cNvPr>
+          <p:cNvSpPr>
+            <a:spLocks noGrp="1"/>
+          </p:cNvSpPr>
+          <p:nvPr>
+            <p:ph type="title"/>
+          </p:nvPr>
+        </p:nvSpPr>
+        <p:spPr>
+          <a:xfrm>
+            <a:off x="211300" y="263560"/>
+            <a:ext cx="11769400" cy="1325563"/>
+          </a:xfrm>
+        </p:spPr>
+        <p:txBody>
+          <a:bodyPr>
+            <a:normAutofit/>
+          </a:bodyPr>
+          <a:lstStyle/>
+          <a:p>
+            <a:pPr algn="ctr"/>
+            <a:r>
+              <a:rPr lang="en-US" sz="4000" dirty="0"/>
+              <a:t>2019-2020 fisheries participation networks </a:t>
+            </a:r>
+            <a:r>
+              <a:rPr lang="en-US" sz="2400" dirty="0"/>
+              <a:t>(by IOPAC port group)</a:t>
             </a:r>
           </a:p>
         </p:txBody>
       </p:sp>
       <p:pic>
         <p:nvPicPr>
-          <p:cNvPr id="21" name="Picture 20">
-            <a:extLst>
-              <a:ext uri="{FF2B5EF4-FFF2-40B4-BE49-F238E27FC236}">
-                <a16:creationId xmlns:a16="http://schemas.microsoft.com/office/drawing/2014/main" id="{FD0846CF-C146-7E49-8646-59343D7D6EDA}"/>
+          <p:cNvPr id="9" name="Picture 8">
+            <a:extLst>
+              <a:ext uri="{FF2B5EF4-FFF2-40B4-BE49-F238E27FC236}">
+                <a16:creationId xmlns:a16="http://schemas.microsoft.com/office/drawing/2014/main" id="{EE3B4399-3BFD-8B44-B14A-FE6CC378ACA0}"/>
               </a:ext>
             </a:extLst>
           </p:cNvPr>
@@ -3897,8 +3831,8 @@
         </p:blipFill>
         <p:spPr>
           <a:xfrm>
-            <a:off x="8855529" y="2967681"/>
-            <a:ext cx="3048000" cy="3048000"/>
+            <a:off x="2341263" y="878634"/>
+            <a:ext cx="3688080" cy="3688080"/>
           </a:xfrm>
           <a:prstGeom prst="rect">
             <a:avLst/>
@@ -3907,10 +3841,10 @@
       </p:pic>
       <p:pic>
         <p:nvPicPr>
-          <p:cNvPr id="23" name="Picture 22">
-            <a:extLst>
-              <a:ext uri="{FF2B5EF4-FFF2-40B4-BE49-F238E27FC236}">
-                <a16:creationId xmlns:a16="http://schemas.microsoft.com/office/drawing/2014/main" id="{22DC3BB2-1DD6-D441-8A08-EEC7E0922159}"/>
+          <p:cNvPr id="11" name="Picture 10">
+            <a:extLst>
+              <a:ext uri="{FF2B5EF4-FFF2-40B4-BE49-F238E27FC236}">
+                <a16:creationId xmlns:a16="http://schemas.microsoft.com/office/drawing/2014/main" id="{A0916652-5F31-7B47-A41A-D545753786D6}"/>
               </a:ext>
             </a:extLst>
           </p:cNvPr>
@@ -3927,8 +3861,8 @@
         </p:blipFill>
         <p:spPr>
           <a:xfrm>
-            <a:off x="5854807" y="2967681"/>
-            <a:ext cx="3048000" cy="3048000"/>
+            <a:off x="8292620" y="878840"/>
+            <a:ext cx="3688080" cy="3688080"/>
           </a:xfrm>
           <a:prstGeom prst="rect">
             <a:avLst/>
@@ -3937,10 +3871,10 @@
       </p:pic>
       <p:pic>
         <p:nvPicPr>
-          <p:cNvPr id="25" name="Picture 24">
-            <a:extLst>
-              <a:ext uri="{FF2B5EF4-FFF2-40B4-BE49-F238E27FC236}">
-                <a16:creationId xmlns:a16="http://schemas.microsoft.com/office/drawing/2014/main" id="{0DD51B5C-8844-B94E-9D3C-67824A3F6BCE}"/>
+          <p:cNvPr id="13" name="Picture 12">
+            <a:extLst>
+              <a:ext uri="{FF2B5EF4-FFF2-40B4-BE49-F238E27FC236}">
+                <a16:creationId xmlns:a16="http://schemas.microsoft.com/office/drawing/2014/main" id="{ABC60DB9-4770-0946-8F9D-2D4C417A943A}"/>
               </a:ext>
             </a:extLst>
           </p:cNvPr>
@@ -3957,8 +3891,8 @@
         </p:blipFill>
         <p:spPr>
           <a:xfrm>
-            <a:off x="2854085" y="2967681"/>
-            <a:ext cx="3048000" cy="3048000"/>
+            <a:off x="2294514" y="3429000"/>
+            <a:ext cx="3688080" cy="3688080"/>
           </a:xfrm>
           <a:prstGeom prst="rect">
             <a:avLst/>
@@ -3967,10 +3901,10 @@
       </p:pic>
       <p:pic>
         <p:nvPicPr>
-          <p:cNvPr id="27" name="Picture 26">
-            <a:extLst>
-              <a:ext uri="{FF2B5EF4-FFF2-40B4-BE49-F238E27FC236}">
-                <a16:creationId xmlns:a16="http://schemas.microsoft.com/office/drawing/2014/main" id="{C18EDDA1-D503-9A47-8F5C-583866E282EB}"/>
+          <p:cNvPr id="15" name="Picture 14">
+            <a:extLst>
+              <a:ext uri="{FF2B5EF4-FFF2-40B4-BE49-F238E27FC236}">
+                <a16:creationId xmlns:a16="http://schemas.microsoft.com/office/drawing/2014/main" id="{96553327-65EA-7749-ACF5-18A137134AFD}"/>
               </a:ext>
             </a:extLst>
           </p:cNvPr>
@@ -3987,8 +3921,8 @@
         </p:blipFill>
         <p:spPr>
           <a:xfrm>
-            <a:off x="-99359" y="2844114"/>
-            <a:ext cx="3048000" cy="3048000"/>
+            <a:off x="8503920" y="3675310"/>
+            <a:ext cx="3688080" cy="3688080"/>
           </a:xfrm>
           <a:prstGeom prst="rect">
             <a:avLst/>
@@ -3998,7 +3932,7 @@
     </p:spTree>
     <p:extLst>
       <p:ext uri="{BB962C8B-B14F-4D97-AF65-F5344CB8AC3E}">
-        <p14:creationId xmlns:p14="http://schemas.microsoft.com/office/powerpoint/2010/main" val="4164213189"/>
+        <p14:creationId xmlns:p14="http://schemas.microsoft.com/office/powerpoint/2010/main" val="3427730486"/>
       </p:ext>
     </p:extLst>
   </p:cSld>
@@ -4048,17 +3982,17 @@
           <a:p>
             <a:r>
               <a:rPr lang="en-US" dirty="0"/>
-              <a:t>Newport over time: less connected?</a:t>
-            </a:r>
-          </a:p>
-        </p:txBody>
-      </p:sp>
-      <p:sp>
-        <p:nvSpPr>
-          <p:cNvPr id="3" name="TextBox 2">
-            <a:extLst>
-              <a:ext uri="{FF2B5EF4-FFF2-40B4-BE49-F238E27FC236}">
-                <a16:creationId xmlns:a16="http://schemas.microsoft.com/office/drawing/2014/main" id="{E0851A85-7270-1648-B90D-61FCFCA47EED}"/>
+              <a:t>North WA Coast over time: simplifying?</a:t>
+            </a:r>
+          </a:p>
+        </p:txBody>
+      </p:sp>
+      <p:sp>
+        <p:nvSpPr>
+          <p:cNvPr id="16" name="TextBox 15">
+            <a:extLst>
+              <a:ext uri="{FF2B5EF4-FFF2-40B4-BE49-F238E27FC236}">
+                <a16:creationId xmlns:a16="http://schemas.microsoft.com/office/drawing/2014/main" id="{C390C87E-9A77-7845-9D7F-311A07B7CE1F}"/>
               </a:ext>
             </a:extLst>
           </p:cNvPr>
@@ -4090,10 +4024,10 @@
       </p:sp>
       <p:sp>
         <p:nvSpPr>
-          <p:cNvPr id="4" name="TextBox 3">
-            <a:extLst>
-              <a:ext uri="{FF2B5EF4-FFF2-40B4-BE49-F238E27FC236}">
-                <a16:creationId xmlns:a16="http://schemas.microsoft.com/office/drawing/2014/main" id="{90C9B2EC-BCBB-3B43-85B0-BF4ECC0BFCA2}"/>
+          <p:cNvPr id="17" name="TextBox 16">
+            <a:extLst>
+              <a:ext uri="{FF2B5EF4-FFF2-40B4-BE49-F238E27FC236}">
+                <a16:creationId xmlns:a16="http://schemas.microsoft.com/office/drawing/2014/main" id="{E9E8D1F5-C9B1-5D45-AFEC-2963949A669A}"/>
               </a:ext>
             </a:extLst>
           </p:cNvPr>
@@ -4125,10 +4059,10 @@
       </p:sp>
       <p:sp>
         <p:nvSpPr>
-          <p:cNvPr id="5" name="TextBox 4">
-            <a:extLst>
-              <a:ext uri="{FF2B5EF4-FFF2-40B4-BE49-F238E27FC236}">
-                <a16:creationId xmlns:a16="http://schemas.microsoft.com/office/drawing/2014/main" id="{7B50F08A-649F-9A44-9FFD-FC148CFC8B85}"/>
+          <p:cNvPr id="18" name="TextBox 17">
+            <a:extLst>
+              <a:ext uri="{FF2B5EF4-FFF2-40B4-BE49-F238E27FC236}">
+                <a16:creationId xmlns:a16="http://schemas.microsoft.com/office/drawing/2014/main" id="{2C7F05EA-2635-6342-ACB2-39A21F80B59E}"/>
               </a:ext>
             </a:extLst>
           </p:cNvPr>
@@ -4160,10 +4094,10 @@
       </p:sp>
       <p:sp>
         <p:nvSpPr>
-          <p:cNvPr id="7" name="TextBox 6">
-            <a:extLst>
-              <a:ext uri="{FF2B5EF4-FFF2-40B4-BE49-F238E27FC236}">
-                <a16:creationId xmlns:a16="http://schemas.microsoft.com/office/drawing/2014/main" id="{485A1A1F-38F5-274B-8E44-561417B5A48D}"/>
+          <p:cNvPr id="19" name="TextBox 18">
+            <a:extLst>
+              <a:ext uri="{FF2B5EF4-FFF2-40B4-BE49-F238E27FC236}">
+                <a16:creationId xmlns:a16="http://schemas.microsoft.com/office/drawing/2014/main" id="{AC30D932-19A6-6643-9E9D-12643DB31EA8}"/>
               </a:ext>
             </a:extLst>
           </p:cNvPr>
@@ -4195,10 +4129,10 @@
       </p:sp>
       <p:pic>
         <p:nvPicPr>
-          <p:cNvPr id="8" name="Picture 7">
-            <a:extLst>
-              <a:ext uri="{FF2B5EF4-FFF2-40B4-BE49-F238E27FC236}">
-                <a16:creationId xmlns:a16="http://schemas.microsoft.com/office/drawing/2014/main" id="{6311C7A8-B9D3-E04D-9471-11E085867A48}"/>
+          <p:cNvPr id="21" name="Picture 20">
+            <a:extLst>
+              <a:ext uri="{FF2B5EF4-FFF2-40B4-BE49-F238E27FC236}">
+                <a16:creationId xmlns:a16="http://schemas.microsoft.com/office/drawing/2014/main" id="{FD0846CF-C146-7E49-8646-59343D7D6EDA}"/>
               </a:ext>
             </a:extLst>
           </p:cNvPr>
@@ -4215,7 +4149,7 @@
         </p:blipFill>
         <p:spPr>
           <a:xfrm>
-            <a:off x="8855529" y="2718591"/>
+            <a:off x="8855529" y="2967681"/>
             <a:ext cx="3048000" cy="3048000"/>
           </a:xfrm>
           <a:prstGeom prst="rect">
@@ -4225,10 +4159,10 @@
       </p:pic>
       <p:pic>
         <p:nvPicPr>
-          <p:cNvPr id="12" name="Picture 11">
-            <a:extLst>
-              <a:ext uri="{FF2B5EF4-FFF2-40B4-BE49-F238E27FC236}">
-                <a16:creationId xmlns:a16="http://schemas.microsoft.com/office/drawing/2014/main" id="{4D57855C-B592-D34C-9A9D-4B17220FD560}"/>
+          <p:cNvPr id="23" name="Picture 22">
+            <a:extLst>
+              <a:ext uri="{FF2B5EF4-FFF2-40B4-BE49-F238E27FC236}">
+                <a16:creationId xmlns:a16="http://schemas.microsoft.com/office/drawing/2014/main" id="{22DC3BB2-1DD6-D441-8A08-EEC7E0922159}"/>
               </a:ext>
             </a:extLst>
           </p:cNvPr>
@@ -4245,7 +4179,7 @@
         </p:blipFill>
         <p:spPr>
           <a:xfrm>
-            <a:off x="5807529" y="2718591"/>
+            <a:off x="5854807" y="2967681"/>
             <a:ext cx="3048000" cy="3048000"/>
           </a:xfrm>
           <a:prstGeom prst="rect">
@@ -4255,10 +4189,10 @@
       </p:pic>
       <p:pic>
         <p:nvPicPr>
-          <p:cNvPr id="14" name="Picture 13">
-            <a:extLst>
-              <a:ext uri="{FF2B5EF4-FFF2-40B4-BE49-F238E27FC236}">
-                <a16:creationId xmlns:a16="http://schemas.microsoft.com/office/drawing/2014/main" id="{5AAF3EA9-0487-7D49-99C7-AAE4D2DD89E8}"/>
+          <p:cNvPr id="25" name="Picture 24">
+            <a:extLst>
+              <a:ext uri="{FF2B5EF4-FFF2-40B4-BE49-F238E27FC236}">
+                <a16:creationId xmlns:a16="http://schemas.microsoft.com/office/drawing/2014/main" id="{0DD51B5C-8844-B94E-9D3C-67824A3F6BCE}"/>
               </a:ext>
             </a:extLst>
           </p:cNvPr>
@@ -4275,7 +4209,7 @@
         </p:blipFill>
         <p:spPr>
           <a:xfrm>
-            <a:off x="2840472" y="2718591"/>
+            <a:off x="2854085" y="2967681"/>
             <a:ext cx="3048000" cy="3048000"/>
           </a:xfrm>
           <a:prstGeom prst="rect">
@@ -4285,10 +4219,10 @@
       </p:pic>
       <p:pic>
         <p:nvPicPr>
-          <p:cNvPr id="16" name="Picture 15">
-            <a:extLst>
-              <a:ext uri="{FF2B5EF4-FFF2-40B4-BE49-F238E27FC236}">
-                <a16:creationId xmlns:a16="http://schemas.microsoft.com/office/drawing/2014/main" id="{48414FBE-F4C2-D94B-8440-28B055302CDC}"/>
+          <p:cNvPr id="27" name="Picture 26">
+            <a:extLst>
+              <a:ext uri="{FF2B5EF4-FFF2-40B4-BE49-F238E27FC236}">
+                <a16:creationId xmlns:a16="http://schemas.microsoft.com/office/drawing/2014/main" id="{C18EDDA1-D503-9A47-8F5C-583866E282EB}"/>
               </a:ext>
             </a:extLst>
           </p:cNvPr>
@@ -4305,7 +4239,7 @@
         </p:blipFill>
         <p:spPr>
           <a:xfrm>
-            <a:off x="428" y="2718591"/>
+            <a:off x="-99359" y="2844114"/>
             <a:ext cx="3048000" cy="3048000"/>
           </a:xfrm>
           <a:prstGeom prst="rect">
@@ -4316,7 +4250,7 @@
     </p:spTree>
     <p:extLst>
       <p:ext uri="{BB962C8B-B14F-4D97-AF65-F5344CB8AC3E}">
-        <p14:creationId xmlns:p14="http://schemas.microsoft.com/office/powerpoint/2010/main" val="2805786277"/>
+        <p14:creationId xmlns:p14="http://schemas.microsoft.com/office/powerpoint/2010/main" val="4164213189"/>
       </p:ext>
     </p:extLst>
   </p:cSld>
@@ -4366,6 +4300,324 @@
           <a:p>
             <a:r>
               <a:rPr lang="en-US" dirty="0"/>
+              <a:t>Newport over time: less connected?</a:t>
+            </a:r>
+          </a:p>
+        </p:txBody>
+      </p:sp>
+      <p:sp>
+        <p:nvSpPr>
+          <p:cNvPr id="3" name="TextBox 2">
+            <a:extLst>
+              <a:ext uri="{FF2B5EF4-FFF2-40B4-BE49-F238E27FC236}">
+                <a16:creationId xmlns:a16="http://schemas.microsoft.com/office/drawing/2014/main" id="{E0851A85-7270-1648-B90D-61FCFCA47EED}"/>
+              </a:ext>
+            </a:extLst>
+          </p:cNvPr>
+          <p:cNvSpPr txBox="1"/>
+          <p:nvPr/>
+        </p:nvSpPr>
+        <p:spPr>
+          <a:xfrm>
+            <a:off x="977227" y="2203552"/>
+            <a:ext cx="1212191" cy="461665"/>
+          </a:xfrm>
+          <a:prstGeom prst="rect">
+            <a:avLst/>
+          </a:prstGeom>
+          <a:noFill/>
+        </p:spPr>
+        <p:txBody>
+          <a:bodyPr wrap="none" rtlCol="0">
+            <a:spAutoFit/>
+          </a:bodyPr>
+          <a:lstStyle/>
+          <a:p>
+            <a:r>
+              <a:rPr lang="en-US" sz="2400" dirty="0"/>
+              <a:t>2016-17</a:t>
+            </a:r>
+          </a:p>
+        </p:txBody>
+      </p:sp>
+      <p:sp>
+        <p:nvSpPr>
+          <p:cNvPr id="4" name="TextBox 3">
+            <a:extLst>
+              <a:ext uri="{FF2B5EF4-FFF2-40B4-BE49-F238E27FC236}">
+                <a16:creationId xmlns:a16="http://schemas.microsoft.com/office/drawing/2014/main" id="{90C9B2EC-BCBB-3B43-85B0-BF4ECC0BFCA2}"/>
+              </a:ext>
+            </a:extLst>
+          </p:cNvPr>
+          <p:cNvSpPr txBox="1"/>
+          <p:nvPr/>
+        </p:nvSpPr>
+        <p:spPr>
+          <a:xfrm>
+            <a:off x="3857465" y="2203552"/>
+            <a:ext cx="1212191" cy="461665"/>
+          </a:xfrm>
+          <a:prstGeom prst="rect">
+            <a:avLst/>
+          </a:prstGeom>
+          <a:noFill/>
+        </p:spPr>
+        <p:txBody>
+          <a:bodyPr wrap="none" rtlCol="0">
+            <a:spAutoFit/>
+          </a:bodyPr>
+          <a:lstStyle/>
+          <a:p>
+            <a:r>
+              <a:rPr lang="en-US" sz="2400" dirty="0"/>
+              <a:t>2017-18</a:t>
+            </a:r>
+          </a:p>
+        </p:txBody>
+      </p:sp>
+      <p:sp>
+        <p:nvSpPr>
+          <p:cNvPr id="5" name="TextBox 4">
+            <a:extLst>
+              <a:ext uri="{FF2B5EF4-FFF2-40B4-BE49-F238E27FC236}">
+                <a16:creationId xmlns:a16="http://schemas.microsoft.com/office/drawing/2014/main" id="{7B50F08A-649F-9A44-9FFD-FC148CFC8B85}"/>
+              </a:ext>
+            </a:extLst>
+          </p:cNvPr>
+          <p:cNvSpPr txBox="1"/>
+          <p:nvPr/>
+        </p:nvSpPr>
+        <p:spPr>
+          <a:xfrm>
+            <a:off x="6737703" y="2203552"/>
+            <a:ext cx="1212191" cy="461665"/>
+          </a:xfrm>
+          <a:prstGeom prst="rect">
+            <a:avLst/>
+          </a:prstGeom>
+          <a:noFill/>
+        </p:spPr>
+        <p:txBody>
+          <a:bodyPr wrap="none" rtlCol="0">
+            <a:spAutoFit/>
+          </a:bodyPr>
+          <a:lstStyle/>
+          <a:p>
+            <a:r>
+              <a:rPr lang="en-US" sz="2400" dirty="0"/>
+              <a:t>2018-19</a:t>
+            </a:r>
+          </a:p>
+        </p:txBody>
+      </p:sp>
+      <p:sp>
+        <p:nvSpPr>
+          <p:cNvPr id="7" name="TextBox 6">
+            <a:extLst>
+              <a:ext uri="{FF2B5EF4-FFF2-40B4-BE49-F238E27FC236}">
+                <a16:creationId xmlns:a16="http://schemas.microsoft.com/office/drawing/2014/main" id="{485A1A1F-38F5-274B-8E44-561417B5A48D}"/>
+              </a:ext>
+            </a:extLst>
+          </p:cNvPr>
+          <p:cNvSpPr txBox="1"/>
+          <p:nvPr/>
+        </p:nvSpPr>
+        <p:spPr>
+          <a:xfrm>
+            <a:off x="9617942" y="2203552"/>
+            <a:ext cx="1523174" cy="461665"/>
+          </a:xfrm>
+          <a:prstGeom prst="rect">
+            <a:avLst/>
+          </a:prstGeom>
+          <a:noFill/>
+        </p:spPr>
+        <p:txBody>
+          <a:bodyPr wrap="none" rtlCol="0">
+            <a:spAutoFit/>
+          </a:bodyPr>
+          <a:lstStyle/>
+          <a:p>
+            <a:r>
+              <a:rPr lang="en-US" sz="2400" dirty="0"/>
+              <a:t>2019-2020</a:t>
+            </a:r>
+          </a:p>
+        </p:txBody>
+      </p:sp>
+      <p:pic>
+        <p:nvPicPr>
+          <p:cNvPr id="8" name="Picture 7">
+            <a:extLst>
+              <a:ext uri="{FF2B5EF4-FFF2-40B4-BE49-F238E27FC236}">
+                <a16:creationId xmlns:a16="http://schemas.microsoft.com/office/drawing/2014/main" id="{6311C7A8-B9D3-E04D-9471-11E085867A48}"/>
+              </a:ext>
+            </a:extLst>
+          </p:cNvPr>
+          <p:cNvPicPr>
+            <a:picLocks noChangeAspect="1"/>
+          </p:cNvPicPr>
+          <p:nvPr/>
+        </p:nvPicPr>
+        <p:blipFill>
+          <a:blip r:embed="rId2"/>
+          <a:stretch>
+            <a:fillRect/>
+          </a:stretch>
+        </p:blipFill>
+        <p:spPr>
+          <a:xfrm>
+            <a:off x="8855529" y="2718591"/>
+            <a:ext cx="3048000" cy="3048000"/>
+          </a:xfrm>
+          <a:prstGeom prst="rect">
+            <a:avLst/>
+          </a:prstGeom>
+        </p:spPr>
+      </p:pic>
+      <p:pic>
+        <p:nvPicPr>
+          <p:cNvPr id="12" name="Picture 11">
+            <a:extLst>
+              <a:ext uri="{FF2B5EF4-FFF2-40B4-BE49-F238E27FC236}">
+                <a16:creationId xmlns:a16="http://schemas.microsoft.com/office/drawing/2014/main" id="{4D57855C-B592-D34C-9A9D-4B17220FD560}"/>
+              </a:ext>
+            </a:extLst>
+          </p:cNvPr>
+          <p:cNvPicPr>
+            <a:picLocks noChangeAspect="1"/>
+          </p:cNvPicPr>
+          <p:nvPr/>
+        </p:nvPicPr>
+        <p:blipFill>
+          <a:blip r:embed="rId3"/>
+          <a:stretch>
+            <a:fillRect/>
+          </a:stretch>
+        </p:blipFill>
+        <p:spPr>
+          <a:xfrm>
+            <a:off x="5807529" y="2718591"/>
+            <a:ext cx="3048000" cy="3048000"/>
+          </a:xfrm>
+          <a:prstGeom prst="rect">
+            <a:avLst/>
+          </a:prstGeom>
+        </p:spPr>
+      </p:pic>
+      <p:pic>
+        <p:nvPicPr>
+          <p:cNvPr id="14" name="Picture 13">
+            <a:extLst>
+              <a:ext uri="{FF2B5EF4-FFF2-40B4-BE49-F238E27FC236}">
+                <a16:creationId xmlns:a16="http://schemas.microsoft.com/office/drawing/2014/main" id="{5AAF3EA9-0487-7D49-99C7-AAE4D2DD89E8}"/>
+              </a:ext>
+            </a:extLst>
+          </p:cNvPr>
+          <p:cNvPicPr>
+            <a:picLocks noChangeAspect="1"/>
+          </p:cNvPicPr>
+          <p:nvPr/>
+        </p:nvPicPr>
+        <p:blipFill>
+          <a:blip r:embed="rId4"/>
+          <a:stretch>
+            <a:fillRect/>
+          </a:stretch>
+        </p:blipFill>
+        <p:spPr>
+          <a:xfrm>
+            <a:off x="2840472" y="2718591"/>
+            <a:ext cx="3048000" cy="3048000"/>
+          </a:xfrm>
+          <a:prstGeom prst="rect">
+            <a:avLst/>
+          </a:prstGeom>
+        </p:spPr>
+      </p:pic>
+      <p:pic>
+        <p:nvPicPr>
+          <p:cNvPr id="16" name="Picture 15">
+            <a:extLst>
+              <a:ext uri="{FF2B5EF4-FFF2-40B4-BE49-F238E27FC236}">
+                <a16:creationId xmlns:a16="http://schemas.microsoft.com/office/drawing/2014/main" id="{48414FBE-F4C2-D94B-8440-28B055302CDC}"/>
+              </a:ext>
+            </a:extLst>
+          </p:cNvPr>
+          <p:cNvPicPr>
+            <a:picLocks noChangeAspect="1"/>
+          </p:cNvPicPr>
+          <p:nvPr/>
+        </p:nvPicPr>
+        <p:blipFill>
+          <a:blip r:embed="rId5"/>
+          <a:stretch>
+            <a:fillRect/>
+          </a:stretch>
+        </p:blipFill>
+        <p:spPr>
+          <a:xfrm>
+            <a:off x="428" y="2718591"/>
+            <a:ext cx="3048000" cy="3048000"/>
+          </a:xfrm>
+          <a:prstGeom prst="rect">
+            <a:avLst/>
+          </a:prstGeom>
+        </p:spPr>
+      </p:pic>
+    </p:spTree>
+    <p:extLst>
+      <p:ext uri="{BB962C8B-B14F-4D97-AF65-F5344CB8AC3E}">
+        <p14:creationId xmlns:p14="http://schemas.microsoft.com/office/powerpoint/2010/main" val="2805786277"/>
+      </p:ext>
+    </p:extLst>
+  </p:cSld>
+  <p:clrMapOvr>
+    <a:masterClrMapping/>
+  </p:clrMapOvr>
+</p:sld>
+</file>
+
+<file path=ppt/slides/slide5.xml><?xml version="1.0" encoding="utf-8"?>
+<p:sld xmlns:a="http://schemas.openxmlformats.org/drawingml/2006/main" xmlns:r="http://schemas.openxmlformats.org/officeDocument/2006/relationships" xmlns:p="http://schemas.openxmlformats.org/presentationml/2006/main">
+  <p:cSld>
+    <p:spTree>
+      <p:nvGrpSpPr>
+        <p:cNvPr id="1" name=""/>
+        <p:cNvGrpSpPr/>
+        <p:nvPr/>
+      </p:nvGrpSpPr>
+      <p:grpSpPr>
+        <a:xfrm>
+          <a:off x="0" y="0"/>
+          <a:ext cx="0" cy="0"/>
+          <a:chOff x="0" y="0"/>
+          <a:chExt cx="0" cy="0"/>
+        </a:xfrm>
+      </p:grpSpPr>
+      <p:sp>
+        <p:nvSpPr>
+          <p:cNvPr id="6" name="Title 5">
+            <a:extLst>
+              <a:ext uri="{FF2B5EF4-FFF2-40B4-BE49-F238E27FC236}">
+                <a16:creationId xmlns:a16="http://schemas.microsoft.com/office/drawing/2014/main" id="{6BC5A32E-E215-1B49-94DA-2636C7CF7951}"/>
+              </a:ext>
+            </a:extLst>
+          </p:cNvPr>
+          <p:cNvSpPr>
+            <a:spLocks noGrp="1"/>
+          </p:cNvSpPr>
+          <p:nvPr>
+            <p:ph type="title"/>
+          </p:nvPr>
+        </p:nvSpPr>
+        <p:spPr/>
+        <p:txBody>
+          <a:bodyPr/>
+          <a:lstStyle/>
+          <a:p>
+            <a:r>
+              <a:rPr lang="en-US" dirty="0"/>
               <a:t>Monterey over time: variable?</a:t>
             </a:r>
           </a:p>
@@ -4644,7 +4896,7 @@
 </p:sld>
 </file>
 
-<file path=ppt/slides/slide5.xml><?xml version="1.0" encoding="utf-8"?>
+<file path=ppt/slides/slide6.xml><?xml version="1.0" encoding="utf-8"?>
 <p:sld xmlns:a="http://schemas.openxmlformats.org/drawingml/2006/main" xmlns:r="http://schemas.openxmlformats.org/officeDocument/2006/relationships" xmlns:p="http://schemas.openxmlformats.org/presentationml/2006/main">
   <p:cSld>
     <p:spTree>

--- a/presentations/networks_ssces_jan2020.pptx
+++ b/presentations/networks_ssces_jan2020.pptx
@@ -275,7 +275,7 @@
           <a:p>
             <a:fld id="{B6E6108D-271E-0C44-A5FC-9B5738276C12}" type="datetimeFigureOut">
               <a:rPr lang="en-US" smtClean="0"/>
-              <a:t>1/7/21</a:t>
+              <a:t>1/8/21</a:t>
             </a:fld>
             <a:endParaRPr lang="en-US"/>
           </a:p>
@@ -473,7 +473,7 @@
           <a:p>
             <a:fld id="{B6E6108D-271E-0C44-A5FC-9B5738276C12}" type="datetimeFigureOut">
               <a:rPr lang="en-US" smtClean="0"/>
-              <a:t>1/7/21</a:t>
+              <a:t>1/8/21</a:t>
             </a:fld>
             <a:endParaRPr lang="en-US"/>
           </a:p>
@@ -681,7 +681,7 @@
           <a:p>
             <a:fld id="{B6E6108D-271E-0C44-A5FC-9B5738276C12}" type="datetimeFigureOut">
               <a:rPr lang="en-US" smtClean="0"/>
-              <a:t>1/7/21</a:t>
+              <a:t>1/8/21</a:t>
             </a:fld>
             <a:endParaRPr lang="en-US"/>
           </a:p>
@@ -879,7 +879,7 @@
           <a:p>
             <a:fld id="{B6E6108D-271E-0C44-A5FC-9B5738276C12}" type="datetimeFigureOut">
               <a:rPr lang="en-US" smtClean="0"/>
-              <a:t>1/7/21</a:t>
+              <a:t>1/8/21</a:t>
             </a:fld>
             <a:endParaRPr lang="en-US"/>
           </a:p>
@@ -1154,7 +1154,7 @@
           <a:p>
             <a:fld id="{B6E6108D-271E-0C44-A5FC-9B5738276C12}" type="datetimeFigureOut">
               <a:rPr lang="en-US" smtClean="0"/>
-              <a:t>1/7/21</a:t>
+              <a:t>1/8/21</a:t>
             </a:fld>
             <a:endParaRPr lang="en-US"/>
           </a:p>
@@ -1419,7 +1419,7 @@
           <a:p>
             <a:fld id="{B6E6108D-271E-0C44-A5FC-9B5738276C12}" type="datetimeFigureOut">
               <a:rPr lang="en-US" smtClean="0"/>
-              <a:t>1/7/21</a:t>
+              <a:t>1/8/21</a:t>
             </a:fld>
             <a:endParaRPr lang="en-US"/>
           </a:p>
@@ -1831,7 +1831,7 @@
           <a:p>
             <a:fld id="{B6E6108D-271E-0C44-A5FC-9B5738276C12}" type="datetimeFigureOut">
               <a:rPr lang="en-US" smtClean="0"/>
-              <a:t>1/7/21</a:t>
+              <a:t>1/8/21</a:t>
             </a:fld>
             <a:endParaRPr lang="en-US"/>
           </a:p>
@@ -1972,7 +1972,7 @@
           <a:p>
             <a:fld id="{B6E6108D-271E-0C44-A5FC-9B5738276C12}" type="datetimeFigureOut">
               <a:rPr lang="en-US" smtClean="0"/>
-              <a:t>1/7/21</a:t>
+              <a:t>1/8/21</a:t>
             </a:fld>
             <a:endParaRPr lang="en-US"/>
           </a:p>
@@ -2085,7 +2085,7 @@
           <a:p>
             <a:fld id="{B6E6108D-271E-0C44-A5FC-9B5738276C12}" type="datetimeFigureOut">
               <a:rPr lang="en-US" smtClean="0"/>
-              <a:t>1/7/21</a:t>
+              <a:t>1/8/21</a:t>
             </a:fld>
             <a:endParaRPr lang="en-US"/>
           </a:p>
@@ -2396,7 +2396,7 @@
           <a:p>
             <a:fld id="{B6E6108D-271E-0C44-A5FC-9B5738276C12}" type="datetimeFigureOut">
               <a:rPr lang="en-US" smtClean="0"/>
-              <a:t>1/7/21</a:t>
+              <a:t>1/8/21</a:t>
             </a:fld>
             <a:endParaRPr lang="en-US"/>
           </a:p>
@@ -2684,7 +2684,7 @@
           <a:p>
             <a:fld id="{B6E6108D-271E-0C44-A5FC-9B5738276C12}" type="datetimeFigureOut">
               <a:rPr lang="en-US" smtClean="0"/>
-              <a:t>1/7/21</a:t>
+              <a:t>1/8/21</a:t>
             </a:fld>
             <a:endParaRPr lang="en-US"/>
           </a:p>
@@ -2925,7 +2925,7 @@
           <a:p>
             <a:fld id="{B6E6108D-271E-0C44-A5FC-9B5738276C12}" type="datetimeFigureOut">
               <a:rPr lang="en-US" smtClean="0"/>
-              <a:t>1/7/21</a:t>
+              <a:t>1/8/21</a:t>
             </a:fld>
             <a:endParaRPr lang="en-US"/>
           </a:p>
@@ -3929,6 +3929,36 @@
           </a:prstGeom>
         </p:spPr>
       </p:pic>
+      <p:pic>
+        <p:nvPicPr>
+          <p:cNvPr id="8" name="Picture 7">
+            <a:extLst>
+              <a:ext uri="{FF2B5EF4-FFF2-40B4-BE49-F238E27FC236}">
+                <a16:creationId xmlns:a16="http://schemas.microsoft.com/office/drawing/2014/main" id="{B2BC84FE-0A05-D640-B3AE-A0B5BAC77F93}"/>
+              </a:ext>
+            </a:extLst>
+          </p:cNvPr>
+          <p:cNvPicPr>
+            <a:picLocks noChangeAspect="1"/>
+          </p:cNvPicPr>
+          <p:nvPr/>
+        </p:nvPicPr>
+        <p:blipFill>
+          <a:blip r:embed="rId6"/>
+          <a:stretch>
+            <a:fillRect/>
+          </a:stretch>
+        </p:blipFill>
+        <p:spPr>
+          <a:xfrm>
+            <a:off x="4856023" y="2668990"/>
+            <a:ext cx="3048000" cy="3048000"/>
+          </a:xfrm>
+          <a:prstGeom prst="rect">
+            <a:avLst/>
+          </a:prstGeom>
+        </p:spPr>
+      </p:pic>
     </p:spTree>
     <p:extLst>
       <p:ext uri="{BB962C8B-B14F-4D97-AF65-F5344CB8AC3E}">
